--- a/docs/presentation.pptx
+++ b/docs/presentation.pptx
@@ -3311,7 +3311,9 @@
         </p:nvSpPr>
         <p:spPr/>
         <p:txBody>
-          <a:bodyPr/>
+          <a:bodyPr>
+            <a:normAutofit fontScale="85000" lnSpcReduction="20000"/>
+          </a:bodyPr>
           <a:lstStyle/>
           <a:p>
             <a:r>
@@ -3339,6 +3341,49 @@
             <a:r>
               <a:rPr lang="en-US" dirty="0" err="1" smtClean="0"/>
               <a:t>val</a:t>
+            </a:r>
+            <a:endParaRPr lang="ro-RO" dirty="0" smtClean="0"/>
+          </a:p>
+          <a:p>
+            <a:r>
+              <a:rPr lang="ro-RO" dirty="0" smtClean="0"/>
+              <a:t>exceptions</a:t>
+            </a:r>
+          </a:p>
+          <a:p>
+            <a:r>
+              <a:rPr lang="ro-RO" dirty="0" smtClean="0"/>
+              <a:t>disposing</a:t>
+            </a:r>
+          </a:p>
+          <a:p>
+            <a:r>
+              <a:rPr lang="ro-RO" dirty="0" smtClean="0"/>
+              <a:t>abusing linq</a:t>
+            </a:r>
+          </a:p>
+          <a:p>
+            <a:r>
+              <a:rPr lang="ro-RO" dirty="0" smtClean="0"/>
+              <a:t>N+1</a:t>
+            </a:r>
+          </a:p>
+          <a:p>
+            <a:r>
+              <a:rPr lang="ro-RO" dirty="0" smtClean="0"/>
+              <a:t>switch instead of IF</a:t>
+            </a:r>
+          </a:p>
+          <a:p>
+            <a:r>
+              <a:rPr lang="ro-RO" dirty="0" smtClean="0"/>
+              <a:t>using CONST for configuration</a:t>
+            </a:r>
+          </a:p>
+          <a:p>
+            <a:r>
+              <a:rPr lang="ro-RO" dirty="0" smtClean="0"/>
+              <a:t>complex conditions</a:t>
             </a:r>
             <a:endParaRPr lang="en-US" dirty="0"/>
           </a:p>
@@ -3682,12 +3727,8 @@
           <a:lstStyle/>
           <a:p>
             <a:r>
-              <a:rPr lang="ro-RO" smtClean="0"/>
-              <a:t>Refactor </a:t>
-            </a:r>
-            <a:r>
               <a:rPr lang="ro-RO" dirty="0" smtClean="0"/>
-              <a:t>your code every time before checking it, otherwise ...</a:t>
+              <a:t>Refactor your code every time before checking it, otherwise ...</a:t>
             </a:r>
             <a:endParaRPr lang="en-US" dirty="0"/>
           </a:p>
